--- a/Summary/202112015_microbiome_demographic_slides.pptx
+++ b/Summary/202112015_microbiome_demographic_slides.pptx
@@ -801,7 +801,7 @@
   <pc:docChgLst>
     <pc:chgData name="Jonathan Mah" userId="5261b2f2f3e51194" providerId="LiveId" clId="{7D05F4F8-9059-49CC-84BE-4CFCE7F8E2DE}"/>
     <pc:docChg chg="undo custSel addSld delSld modSld sldOrd modSection">
-      <pc:chgData name="Jonathan Mah" userId="5261b2f2f3e51194" providerId="LiveId" clId="{7D05F4F8-9059-49CC-84BE-4CFCE7F8E2DE}" dt="2021-12-15T22:36:03.703" v="664" actId="9405"/>
+      <pc:chgData name="Jonathan Mah" userId="5261b2f2f3e51194" providerId="LiveId" clId="{7D05F4F8-9059-49CC-84BE-4CFCE7F8E2DE}" dt="2021-12-16T21:35:28.432" v="766" actId="20577"/>
       <pc:docMkLst>
         <pc:docMk/>
       </pc:docMkLst>
@@ -858,11 +858,19 @@
         </pc:sldMkLst>
       </pc:sldChg>
       <pc:sldChg chg="addSp delSp modSp mod modNotesTx">
-        <pc:chgData name="Jonathan Mah" userId="5261b2f2f3e51194" providerId="LiveId" clId="{7D05F4F8-9059-49CC-84BE-4CFCE7F8E2DE}" dt="2021-12-15T22:22:16.134" v="577" actId="20577"/>
+        <pc:chgData name="Jonathan Mah" userId="5261b2f2f3e51194" providerId="LiveId" clId="{7D05F4F8-9059-49CC-84BE-4CFCE7F8E2DE}" dt="2021-12-16T21:35:28.432" v="766" actId="20577"/>
         <pc:sldMkLst>
           <pc:docMk/>
           <pc:sldMk cId="4150376840" sldId="357"/>
         </pc:sldMkLst>
+        <pc:spChg chg="mod">
+          <ac:chgData name="Jonathan Mah" userId="5261b2f2f3e51194" providerId="LiveId" clId="{7D05F4F8-9059-49CC-84BE-4CFCE7F8E2DE}" dt="2021-12-16T21:35:18.324" v="722" actId="20577"/>
+          <ac:spMkLst>
+            <pc:docMk/>
+            <pc:sldMk cId="4150376840" sldId="357"/>
+            <ac:spMk id="2" creationId="{E5C6E272-85B1-4385-BC7A-E55C4D80304E}"/>
+          </ac:spMkLst>
+        </pc:spChg>
         <pc:grpChg chg="mod">
           <ac:chgData name="Jonathan Mah" userId="5261b2f2f3e51194" providerId="LiveId" clId="{7D05F4F8-9059-49CC-84BE-4CFCE7F8E2DE}" dt="2021-12-15T22:15:38.012" v="180"/>
           <ac:grpSpMkLst>
@@ -2436,7 +2444,7 @@
           <a:lstStyle/>
           <a:p>
             <a:r>
-              <a:rPr lang="en-US"/>
+              <a:rPr lang="en-US" dirty="0"/>
               <a:t>Look into magnitude of contraction divided by time as a analog to size of </a:t>
             </a:r>
           </a:p>
@@ -2523,21 +2531,35 @@
           <a:lstStyle/>
           <a:p>
             <a:r>
+              <a:rPr lang="en-US" dirty="0"/>
+              <a:t>Compare to one epoch model to strengthen evidence of contraction (one epoch model does not include any demographic events and only fits current and ancestral population size)</a:t>
+            </a:r>
+          </a:p>
+          <a:p>
+            <a:r>
+              <a:rPr lang="en-US" dirty="0"/>
+              <a:t>	Good to check to verify that there is truly a contraction</a:t>
+            </a:r>
+          </a:p>
+          <a:p>
+            <a:r>
+              <a:rPr lang="en-US" dirty="0"/>
+              <a:t>	Lead to further plots with more epochs / more parameters, showing not very much gain in likelihood fit.</a:t>
+            </a:r>
+          </a:p>
+          <a:p>
+            <a:endParaRPr lang="en-US" dirty="0"/>
+          </a:p>
+          <a:p>
+            <a:r>
+              <a:rPr lang="en-US" dirty="0"/>
+              <a:t>Fix parameters to be aligned with human demography, i.e., consider null to be </a:t>
+            </a:r>
+            <a:r>
               <a:rPr lang="en-US"/>
-              <a:t>Compare to one epoch model to strengthen evidence of contraction (one epoch model does not include any demographic events and only fits current and ancestral population size)</a:t>
-            </a:r>
-          </a:p>
-          <a:p>
-            <a:r>
-              <a:rPr lang="en-US"/>
-              <a:t>	Good to check to verify that there is truly a contraction</a:t>
-            </a:r>
-          </a:p>
-          <a:p>
-            <a:r>
-              <a:rPr lang="en-US"/>
-              <a:t>	Lead to further plots with more epochs / more parameters, showing not very much gain in likelihood fit.</a:t>
-            </a:r>
+              <a:t>human demography</a:t>
+            </a:r>
+            <a:endParaRPr lang="en-US" dirty="0"/>
           </a:p>
         </p:txBody>
       </p:sp>
@@ -2621,7 +2643,7 @@
           <a:bodyPr/>
           <a:lstStyle/>
           <a:p>
-            <a:endParaRPr lang="en-US"/>
+            <a:endParaRPr lang="en-US" dirty="0"/>
           </a:p>
         </p:txBody>
       </p:sp>
@@ -2706,7 +2728,7 @@
           <a:lstStyle/>
           <a:p>
             <a:r>
-              <a:rPr lang="en-US"/>
+              <a:rPr lang="en-US" dirty="0"/>
               <a:t>Paired t-test within-and-across-host pi</a:t>
             </a:r>
           </a:p>
@@ -2793,7 +2815,7 @@
           <a:lstStyle/>
           <a:p>
             <a:r>
-              <a:rPr lang="en-US"/>
+              <a:rPr lang="en-US" dirty="0"/>
               <a:t>Share in lab meeting</a:t>
             </a:r>
           </a:p>
@@ -2879,7 +2901,7 @@
           <a:bodyPr/>
           <a:lstStyle/>
           <a:p>
-            <a:endParaRPr lang="en-US"/>
+            <a:endParaRPr lang="en-US" dirty="0"/>
           </a:p>
         </p:txBody>
       </p:sp>
@@ -6157,20 +6179,20 @@
           <a:lstStyle/>
           <a:p>
             <a:r>
-              <a:rPr lang="en-US" err="1">
+              <a:rPr lang="en-US" dirty="0" err="1">
                 <a:latin typeface="Yu Gothic" panose="020B0400000000000000" pitchFamily="34" charset="-128"/>
                 <a:ea typeface="Yu Gothic" panose="020B0400000000000000" pitchFamily="34" charset="-128"/>
               </a:rPr>
               <a:t>demo_for_ccgb</a:t>
             </a:r>
             <a:br>
-              <a:rPr lang="en-US">
+              <a:rPr lang="en-US" dirty="0">
                 <a:latin typeface="Yu Gothic" panose="020B0400000000000000" pitchFamily="34" charset="-128"/>
                 <a:ea typeface="Yu Gothic" panose="020B0400000000000000" pitchFamily="34" charset="-128"/>
               </a:rPr>
             </a:br>
             <a:r>
-              <a:rPr lang="en-US">
+              <a:rPr lang="en-US" dirty="0">
                 <a:latin typeface="Yu Gothic" panose="020B0400000000000000" pitchFamily="34" charset="-128"/>
                 <a:ea typeface="Yu Gothic" panose="020B0400000000000000" pitchFamily="34" charset="-128"/>
               </a:rPr>
@@ -6201,7 +6223,7 @@
           <a:lstStyle/>
           <a:p>
             <a:r>
-              <a:rPr lang="en-US">
+              <a:rPr lang="en-US" dirty="0">
                 <a:solidFill>
                   <a:schemeClr val="tx1">
                     <a:lumMod val="50000"/>
@@ -6216,7 +6238,7 @@
           </a:p>
           <a:p>
             <a:r>
-              <a:rPr lang="en-US">
+              <a:rPr lang="en-US" dirty="0">
                 <a:solidFill>
                   <a:schemeClr val="tx1">
                     <a:lumMod val="50000"/>
@@ -6231,7 +6253,7 @@
           </a:p>
           <a:p>
             <a:r>
-              <a:rPr lang="en-US">
+              <a:rPr lang="en-US" dirty="0">
                 <a:solidFill>
                   <a:schemeClr val="tx1">
                     <a:lumMod val="50000"/>
@@ -6486,7 +6508,7 @@
           <a:lstStyle/>
           <a:p>
             <a:r>
-              <a:rPr lang="en-US"/>
+              <a:rPr lang="en-US" dirty="0"/>
               <a:t>Pi comparison thoughts	</a:t>
             </a:r>
           </a:p>
@@ -6580,7 +6602,7 @@
           <a:lstStyle/>
           <a:p>
             <a:r>
-              <a:rPr lang="en-US"/>
+              <a:rPr lang="en-US" dirty="0"/>
               <a:t>//TODO</a:t>
             </a:r>
           </a:p>
@@ -6610,7 +6632,7 @@
           <a:lstStyle/>
           <a:p>
             <a:r>
-              <a:rPr lang="en-US">
+              <a:rPr lang="en-US" dirty="0">
                 <a:latin typeface="Yu Gothic" panose="020B0400000000000000" pitchFamily="34" charset="-128"/>
                 <a:ea typeface="Yu Gothic" panose="020B0400000000000000" pitchFamily="34" charset="-128"/>
                 <a:sym typeface="Wingdings" panose="05000000000000000000" pitchFamily="2" charset="2"/>
@@ -6618,7 +6640,7 @@
               <a:t>Midas  demographic inference, </a:t>
             </a:r>
             <a:r>
-              <a:rPr lang="en-US" err="1">
+              <a:rPr lang="en-US" dirty="0" err="1">
                 <a:latin typeface="Yu Gothic" panose="020B0400000000000000" pitchFamily="34" charset="-128"/>
                 <a:ea typeface="Yu Gothic" panose="020B0400000000000000" pitchFamily="34" charset="-128"/>
                 <a:sym typeface="Wingdings" panose="05000000000000000000" pitchFamily="2" charset="2"/>
@@ -6626,7 +6648,7 @@
               <a:t>etc</a:t>
             </a:r>
             <a:r>
-              <a:rPr lang="en-US">
+              <a:rPr lang="en-US" dirty="0">
                 <a:latin typeface="Yu Gothic" panose="020B0400000000000000" pitchFamily="34" charset="-128"/>
                 <a:ea typeface="Yu Gothic" panose="020B0400000000000000" pitchFamily="34" charset="-128"/>
                 <a:sym typeface="Wingdings" panose="05000000000000000000" pitchFamily="2" charset="2"/>
@@ -6634,7 +6656,7 @@
               <a:t> for </a:t>
             </a:r>
             <a:r>
-              <a:rPr lang="en-US" i="1">
+              <a:rPr lang="en-US" i="1" dirty="0">
                 <a:latin typeface="Yu Gothic" panose="020B0400000000000000" pitchFamily="34" charset="-128"/>
                 <a:ea typeface="Yu Gothic" panose="020B0400000000000000" pitchFamily="34" charset="-128"/>
                 <a:sym typeface="Wingdings" panose="05000000000000000000" pitchFamily="2" charset="2"/>
@@ -6642,7 +6664,7 @@
               <a:t>oral</a:t>
             </a:r>
             <a:r>
-              <a:rPr lang="en-US">
+              <a:rPr lang="en-US" dirty="0">
                 <a:latin typeface="Yu Gothic" panose="020B0400000000000000" pitchFamily="34" charset="-128"/>
                 <a:ea typeface="Yu Gothic" panose="020B0400000000000000" pitchFamily="34" charset="-128"/>
                 <a:sym typeface="Wingdings" panose="05000000000000000000" pitchFamily="2" charset="2"/>
@@ -6652,7 +6674,7 @@
           </a:p>
           <a:p>
             <a:r>
-              <a:rPr lang="en-US">
+              <a:rPr lang="en-US" dirty="0">
                 <a:latin typeface="Yu Gothic" panose="020B0400000000000000" pitchFamily="34" charset="-128"/>
                 <a:ea typeface="Yu Gothic" panose="020B0400000000000000" pitchFamily="34" charset="-128"/>
                 <a:sym typeface="Wingdings" panose="05000000000000000000" pitchFamily="2" charset="2"/>
@@ -6662,7 +6684,7 @@
           </a:p>
           <a:p>
             <a:r>
-              <a:rPr lang="en-US">
+              <a:rPr lang="en-US" dirty="0">
                 <a:latin typeface="Yu Gothic" panose="020B0400000000000000" pitchFamily="34" charset="-128"/>
                 <a:ea typeface="Yu Gothic" panose="020B0400000000000000" pitchFamily="34" charset="-128"/>
                 <a:sym typeface="Wingdings" panose="05000000000000000000" pitchFamily="2" charset="2"/>
@@ -6673,7 +6695,7 @@
           <a:p>
             <a:pPr lvl="1"/>
             <a:r>
-              <a:rPr lang="en-US">
+              <a:rPr lang="en-US" dirty="0">
                 <a:latin typeface="Yu Gothic" panose="020B0400000000000000" pitchFamily="34" charset="-128"/>
                 <a:ea typeface="Yu Gothic" panose="020B0400000000000000" pitchFamily="34" charset="-128"/>
                 <a:sym typeface="Wingdings" panose="05000000000000000000" pitchFamily="2" charset="2"/>
@@ -6683,7 +6705,7 @@
           </a:p>
           <a:p>
             <a:r>
-              <a:rPr lang="en-US">
+              <a:rPr lang="en-US" dirty="0">
                 <a:latin typeface="Yu Gothic" panose="020B0400000000000000" pitchFamily="34" charset="-128"/>
                 <a:ea typeface="Yu Gothic" panose="020B0400000000000000" pitchFamily="34" charset="-128"/>
                 <a:sym typeface="Wingdings" panose="05000000000000000000" pitchFamily="2" charset="2"/>
@@ -6693,7 +6715,7 @@
           </a:p>
           <a:p>
             <a:r>
-              <a:rPr lang="en-US">
+              <a:rPr lang="en-US" dirty="0">
                 <a:latin typeface="Yu Gothic" panose="020B0400000000000000" pitchFamily="34" charset="-128"/>
                 <a:ea typeface="Yu Gothic" panose="020B0400000000000000" pitchFamily="34" charset="-128"/>
                 <a:sym typeface="Wingdings" panose="05000000000000000000" pitchFamily="2" charset="2"/>
@@ -6703,7 +6725,7 @@
           </a:p>
           <a:p>
             <a:r>
-              <a:rPr lang="en-US">
+              <a:rPr lang="en-US" dirty="0">
                 <a:latin typeface="Yu Gothic" panose="020B0400000000000000" pitchFamily="34" charset="-128"/>
                 <a:ea typeface="Yu Gothic" panose="020B0400000000000000" pitchFamily="34" charset="-128"/>
                 <a:sym typeface="Wingdings" panose="05000000000000000000" pitchFamily="2" charset="2"/>
@@ -6918,7 +6940,7 @@
           <a:lstStyle/>
           <a:p>
             <a:r>
-              <a:rPr lang="en-US"/>
+              <a:rPr lang="en-US" dirty="0"/>
               <a:t>Two Epoch Model</a:t>
             </a:r>
           </a:p>
@@ -7359,7 +7381,7 @@
           <a:lstStyle/>
           <a:p>
             <a:r>
-              <a:rPr lang="en-US"/>
+              <a:rPr lang="en-US" dirty="0"/>
               <a:t>Exponential Decay Model</a:t>
             </a:r>
           </a:p>
@@ -7656,7 +7678,7 @@
           <a:lstStyle/>
           <a:p>
             <a:r>
-              <a:rPr lang="en-US"/>
+              <a:rPr lang="en-US" dirty="0"/>
               <a:t>Comparing Magnitude of Contraction</a:t>
             </a:r>
           </a:p>
@@ -7877,8 +7899,12 @@
           <a:lstStyle/>
           <a:p>
             <a:r>
-              <a:rPr lang="en-US"/>
-              <a:t>Bottleneck Model</a:t>
+              <a:rPr lang="en-US" dirty="0" err="1"/>
+              <a:t>Bottlegrowth</a:t>
+            </a:r>
+            <a:r>
+              <a:rPr lang="en-US" dirty="0"/>
+              <a:t> Model</a:t>
             </a:r>
           </a:p>
         </p:txBody>
@@ -8374,7 +8400,7 @@
           <a:lstStyle/>
           <a:p>
             <a:r>
-              <a:rPr lang="en-US"/>
+              <a:rPr lang="en-US" dirty="0"/>
               <a:t>Comparing pi across populations</a:t>
             </a:r>
           </a:p>
@@ -8473,7 +8499,7 @@
           <a:lstStyle/>
           <a:p>
             <a:r>
-              <a:rPr lang="en-US"/>
+              <a:rPr lang="en-US" dirty="0"/>
               <a:t>Comparing pi across populations</a:t>
             </a:r>
           </a:p>
@@ -8567,7 +8593,7 @@
           <a:lstStyle/>
           <a:p>
             <a:r>
-              <a:rPr lang="en-US"/>
+              <a:rPr lang="en-US" dirty="0"/>
               <a:t>Across-host pi methods comparison</a:t>
             </a:r>
           </a:p>
